--- a/slides/05 - Chapter 5 - Formatting.pptx
+++ b/slides/05 - Chapter 5 - Formatting.pptx
@@ -5,7 +5,7 @@
     <p:sldMasterId id="2147483648" r:id="rId1"/>
   </p:sldMasterIdLst>
   <p:notesMasterIdLst>
-    <p:notesMasterId r:id="rId26"/>
+    <p:notesMasterId r:id="rId27"/>
   </p:notesMasterIdLst>
   <p:sldIdLst>
     <p:sldId id="271" r:id="rId2"/>
@@ -28,10 +28,11 @@
     <p:sldId id="303" r:id="rId19"/>
     <p:sldId id="304" r:id="rId20"/>
     <p:sldId id="305" r:id="rId21"/>
-    <p:sldId id="301" r:id="rId22"/>
-    <p:sldId id="274" r:id="rId23"/>
-    <p:sldId id="306" r:id="rId24"/>
-    <p:sldId id="270" r:id="rId25"/>
+    <p:sldId id="269" r:id="rId22"/>
+    <p:sldId id="268" r:id="rId23"/>
+    <p:sldId id="307" r:id="rId24"/>
+    <p:sldId id="306" r:id="rId25"/>
+    <p:sldId id="270" r:id="rId26"/>
   </p:sldIdLst>
   <p:sldSz cx="12192000" cy="6858000"/>
   <p:notesSz cx="12192000" cy="6858000"/>
@@ -231,7 +232,7 @@
           <a:p>
             <a:fld id="{FA3BAC58-2994-4520-AF2C-D43020CE8323}" type="datetimeFigureOut">
               <a:rPr lang="en-US" smtClean="0"/>
-              <a:t>1/17/2021</a:t>
+              <a:t>4/10/2021</a:t>
             </a:fld>
             <a:endParaRPr lang="en-US"/>
           </a:p>
@@ -295,38 +296,37 @@
           <a:p>
             <a:pPr lvl="0"/>
             <a:r>
-              <a:rPr lang="en-US" smtClean="0"/>
+              <a:rPr lang="en-US"/>
               <a:t>Edit Master text styles</a:t>
             </a:r>
           </a:p>
           <a:p>
             <a:pPr lvl="1"/>
             <a:r>
-              <a:rPr lang="en-US" smtClean="0"/>
+              <a:rPr lang="en-US"/>
               <a:t>Second level</a:t>
             </a:r>
           </a:p>
           <a:p>
             <a:pPr lvl="2"/>
             <a:r>
-              <a:rPr lang="en-US" smtClean="0"/>
+              <a:rPr lang="en-US"/>
               <a:t>Third level</a:t>
             </a:r>
           </a:p>
           <a:p>
             <a:pPr lvl="3"/>
             <a:r>
-              <a:rPr lang="en-US" smtClean="0"/>
+              <a:rPr lang="en-US"/>
               <a:t>Fourth level</a:t>
             </a:r>
           </a:p>
           <a:p>
             <a:pPr lvl="4"/>
             <a:r>
-              <a:rPr lang="en-US" smtClean="0"/>
+              <a:rPr lang="en-US"/>
               <a:t>Fifth level</a:t>
             </a:r>
-            <a:endParaRPr lang="en-US"/>
           </a:p>
         </p:txBody>
       </p:sp>
@@ -546,7 +546,7 @@
             <a:pPr marL="0" indent="0" rtl="0" fontAlgn="ctr">
               <a:buNone/>
             </a:pPr>
-            <a:endParaRPr lang="x-none" sz="1200" kern="1200" dirty="0" smtClean="0">
+            <a:endParaRPr lang="x-none" sz="1200" kern="1200" dirty="0">
               <a:solidFill>
                 <a:schemeClr val="tx1"/>
               </a:solidFill>
@@ -639,7 +639,7 @@
           <a:lstStyle/>
           <a:p>
             <a:r>
-              <a:rPr lang="en-US" sz="1200" b="0" i="0" u="none" strike="noStrike" kern="1200" baseline="0" dirty="0" smtClean="0">
+              <a:rPr lang="en-US" sz="1200" b="0" i="0" u="none" strike="noStrike" kern="1200" baseline="0" dirty="0">
                 <a:solidFill>
                   <a:schemeClr val="tx1"/>
                 </a:solidFill>
@@ -652,7 +652,7 @@
           </a:p>
           <a:p>
             <a:r>
-              <a:rPr lang="en-US" sz="1200" b="0" i="0" u="none" strike="noStrike" kern="1200" baseline="0" dirty="0" smtClean="0">
+              <a:rPr lang="en-US" sz="1200" b="0" i="0" u="none" strike="noStrike" kern="1200" baseline="0" dirty="0">
                 <a:solidFill>
                   <a:schemeClr val="tx1"/>
                 </a:solidFill>
@@ -663,7 +663,7 @@
               <a:t>and the caller should be above the </a:t>
             </a:r>
             <a:r>
-              <a:rPr lang="en-US" sz="1200" b="0" i="0" u="none" strike="noStrike" kern="1200" baseline="0" dirty="0" err="1" smtClean="0">
+              <a:rPr lang="en-US" sz="1200" b="0" i="0" u="none" strike="noStrike" kern="1200" baseline="0" dirty="0" err="1">
                 <a:solidFill>
                   <a:schemeClr val="tx1"/>
                 </a:solidFill>
@@ -673,7 +673,7 @@
               </a:rPr>
               <a:t>callee</a:t>
             </a:r>
-            <a:endParaRPr lang="x-none" sz="1200" kern="1200" dirty="0" smtClean="0">
+            <a:endParaRPr lang="x-none" sz="1200" kern="1200" dirty="0">
               <a:solidFill>
                 <a:schemeClr val="tx1"/>
               </a:solidFill>
@@ -768,7 +768,7 @@
             <a:pPr marL="0" indent="0" rtl="0" fontAlgn="ctr">
               <a:buNone/>
             </a:pPr>
-            <a:endParaRPr lang="x-none" sz="1200" kern="1200" dirty="0" smtClean="0">
+            <a:endParaRPr lang="x-none" sz="1200" kern="1200" dirty="0">
               <a:solidFill>
                 <a:schemeClr val="tx1"/>
               </a:solidFill>
@@ -863,7 +863,7 @@
             <a:pPr marL="0" indent="0" rtl="0" fontAlgn="ctr">
               <a:buNone/>
             </a:pPr>
-            <a:endParaRPr lang="x-none" sz="1200" kern="1200" dirty="0" smtClean="0">
+            <a:endParaRPr lang="x-none" sz="1200" kern="1200" dirty="0">
               <a:solidFill>
                 <a:schemeClr val="tx1"/>
               </a:solidFill>
@@ -959,7 +959,7 @@
               <a:buNone/>
             </a:pPr>
             <a:r>
-              <a:rPr lang="en-US" sz="1200" kern="1200" dirty="0" smtClean="0">
+              <a:rPr lang="en-US" sz="1200" kern="1200" dirty="0">
                 <a:solidFill>
                   <a:schemeClr val="tx1"/>
                 </a:solidFill>
@@ -971,7 +971,7 @@
               <a:t>Concepts</a:t>
             </a:r>
             <a:r>
-              <a:rPr lang="en-US" sz="1200" kern="1200" baseline="0" dirty="0" smtClean="0">
+              <a:rPr lang="en-US" sz="1200" kern="1200" baseline="0" dirty="0">
                 <a:solidFill>
                   <a:schemeClr val="tx1"/>
                 </a:solidFill>
@@ -982,7 +982,7 @@
               </a:rPr>
               <a:t> that are related to each other place them together.</a:t>
             </a:r>
-            <a:endParaRPr lang="x-none" sz="1200" kern="1200" dirty="0" smtClean="0">
+            <a:endParaRPr lang="x-none" sz="1200" kern="1200" dirty="0">
               <a:solidFill>
                 <a:schemeClr val="tx1"/>
               </a:solidFill>
@@ -1077,7 +1077,7 @@
             <a:pPr marL="0" indent="0" rtl="0" fontAlgn="ctr">
               <a:buNone/>
             </a:pPr>
-            <a:endParaRPr lang="x-none" sz="1200" kern="1200" dirty="0" smtClean="0">
+            <a:endParaRPr lang="x-none" sz="1200" kern="1200" dirty="0">
               <a:solidFill>
                 <a:schemeClr val="tx1"/>
               </a:solidFill>
@@ -1173,7 +1173,7 @@
               <a:buNone/>
             </a:pPr>
             <a:r>
-              <a:rPr lang="en-US" sz="1200" b="0" i="0" u="none" strike="noStrike" kern="1200" baseline="0" dirty="0" smtClean="0">
+              <a:rPr lang="en-US" sz="1200" b="0" i="0" u="none" strike="noStrike" kern="1200" baseline="0" dirty="0">
                 <a:solidFill>
                   <a:schemeClr val="tx1"/>
                 </a:solidFill>
@@ -1183,7 +1183,7 @@
               </a:rPr>
               <a:t>accentuate the precedence of operators</a:t>
             </a:r>
-            <a:endParaRPr lang="x-none" sz="1200" kern="1200" dirty="0" smtClean="0">
+            <a:endParaRPr lang="x-none" sz="1200" kern="1200" dirty="0">
               <a:solidFill>
                 <a:schemeClr val="tx1"/>
               </a:solidFill>
@@ -1279,7 +1279,7 @@
               <a:buNone/>
             </a:pPr>
             <a:r>
-              <a:rPr lang="en-US" sz="1200" kern="1200" dirty="0" smtClean="0">
+              <a:rPr lang="en-US" sz="1200" kern="1200" dirty="0">
                 <a:solidFill>
                   <a:schemeClr val="tx1"/>
                 </a:solidFill>
@@ -1290,7 +1290,7 @@
               </a:rPr>
               <a:t>Don’t do this anymore</a:t>
             </a:r>
-            <a:endParaRPr lang="x-none" sz="1200" kern="1200" dirty="0" smtClean="0">
+            <a:endParaRPr lang="x-none" sz="1200" kern="1200" dirty="0">
               <a:solidFill>
                 <a:schemeClr val="tx1"/>
               </a:solidFill>
@@ -1385,7 +1385,7 @@
             <a:pPr marL="0" indent="0" rtl="0" fontAlgn="ctr">
               <a:buNone/>
             </a:pPr>
-            <a:endParaRPr lang="x-none" sz="1200" kern="1200" dirty="0" smtClean="0">
+            <a:endParaRPr lang="x-none" sz="1200" kern="1200" dirty="0">
               <a:solidFill>
                 <a:schemeClr val="tx1"/>
               </a:solidFill>
@@ -1481,7 +1481,7 @@
               <a:buNone/>
             </a:pPr>
             <a:r>
-              <a:rPr lang="en-US" sz="1200" kern="1200" dirty="0" smtClean="0">
+              <a:rPr lang="en-US" sz="1200" kern="1200" dirty="0">
                 <a:solidFill>
                   <a:schemeClr val="tx1"/>
                 </a:solidFill>
@@ -1493,7 +1493,7 @@
               <a:t>In one line statements like </a:t>
             </a:r>
             <a:r>
-              <a:rPr lang="en-US" sz="1200" b="1" kern="1200" dirty="0" smtClean="0">
+              <a:rPr lang="en-US" sz="1200" b="1" kern="1200" dirty="0">
                 <a:solidFill>
                   <a:schemeClr val="tx1"/>
                 </a:solidFill>
@@ -1505,7 +1505,7 @@
               <a:t>while</a:t>
             </a:r>
             <a:r>
-              <a:rPr lang="en-US" sz="1200" kern="1200" dirty="0" smtClean="0">
+              <a:rPr lang="en-US" sz="1200" kern="1200" dirty="0">
                 <a:solidFill>
                   <a:schemeClr val="tx1"/>
                 </a:solidFill>
@@ -1522,7 +1522,7 @@
               <a:buNone/>
             </a:pPr>
             <a:r>
-              <a:rPr lang="en-US" sz="1200" kern="1200" dirty="0" smtClean="0">
+              <a:rPr lang="en-US" sz="1200" kern="1200" dirty="0">
                 <a:solidFill>
                   <a:schemeClr val="tx1"/>
                 </a:solidFill>
@@ -1539,7 +1539,7 @@
               <a:buNone/>
             </a:pPr>
             <a:r>
-              <a:rPr lang="en-US" sz="1200" kern="1200" dirty="0" smtClean="0">
+              <a:rPr lang="en-US" sz="1200" kern="1200" dirty="0">
                 <a:solidFill>
                   <a:schemeClr val="tx1"/>
                 </a:solidFill>
@@ -1551,7 +1551,7 @@
               <a:t>Or put</a:t>
             </a:r>
             <a:r>
-              <a:rPr lang="en-US" sz="1200" kern="1200" baseline="0" dirty="0" smtClean="0">
+              <a:rPr lang="en-US" sz="1200" kern="1200" baseline="0" dirty="0">
                 <a:solidFill>
                   <a:schemeClr val="tx1"/>
                 </a:solidFill>
@@ -1562,7 +1562,7 @@
               </a:rPr>
               <a:t> semicolon in a separate line of its own with indentation</a:t>
             </a:r>
-            <a:endParaRPr lang="x-none" sz="1200" kern="1200" dirty="0" smtClean="0">
+            <a:endParaRPr lang="x-none" sz="1200" kern="1200" dirty="0">
               <a:solidFill>
                 <a:schemeClr val="tx1"/>
               </a:solidFill>
@@ -1657,7 +1657,7 @@
             <a:pPr marL="0" indent="0" rtl="0" fontAlgn="ctr">
               <a:buNone/>
             </a:pPr>
-            <a:endParaRPr lang="x-none" sz="1200" kern="1200" dirty="0" smtClean="0">
+            <a:endParaRPr lang="x-none" sz="1200" kern="1200" dirty="0">
               <a:solidFill>
                 <a:schemeClr val="tx1"/>
               </a:solidFill>
@@ -1753,7 +1753,7 @@
               <a:buNone/>
             </a:pPr>
             <a:r>
-              <a:rPr lang="en-US" sz="1200" b="0" i="0" u="none" strike="noStrike" kern="1200" baseline="0" dirty="0" smtClean="0">
+              <a:rPr lang="en-US" sz="1200" b="0" i="0" u="none" strike="noStrike" kern="1200" baseline="0" dirty="0">
                 <a:solidFill>
                   <a:schemeClr val="tx1"/>
                 </a:solidFill>
@@ -1763,7 +1763,7 @@
               </a:rPr>
               <a:t>Small files are usually easier to understand than large files are.</a:t>
             </a:r>
-            <a:endParaRPr lang="x-none" sz="1200" kern="1200" dirty="0" smtClean="0">
+            <a:endParaRPr lang="x-none" sz="1200" kern="1200" dirty="0">
               <a:solidFill>
                 <a:schemeClr val="tx1"/>
               </a:solidFill>
@@ -1858,73 +1858,7 @@
             <a:pPr marL="0" indent="0" rtl="0" fontAlgn="ctr">
               <a:buNone/>
             </a:pPr>
-            <a:r>
-              <a:rPr lang="en-US" sz="1200" kern="1200" dirty="0" smtClean="0">
-                <a:solidFill>
-                  <a:schemeClr val="tx1"/>
-                </a:solidFill>
-                <a:effectLst/>
-                <a:latin typeface="+mn-lt"/>
-                <a:ea typeface="+mn-ea"/>
-                <a:cs typeface="+mn-cs"/>
-              </a:rPr>
-              <a:t>Use learning</a:t>
-            </a:r>
-            <a:r>
-              <a:rPr lang="en-US" sz="1200" kern="1200" baseline="0" dirty="0" smtClean="0">
-                <a:solidFill>
-                  <a:schemeClr val="tx1"/>
-                </a:solidFill>
-                <a:effectLst/>
-                <a:latin typeface="+mn-lt"/>
-                <a:ea typeface="+mn-ea"/>
-                <a:cs typeface="+mn-cs"/>
-              </a:rPr>
-              <a:t> curve theory to:</a:t>
-            </a:r>
-          </a:p>
-          <a:p>
-            <a:pPr marL="171450" indent="-171450" rtl="0" fontAlgn="ctr">
-              <a:buFontTx/>
-              <a:buChar char="-"/>
-            </a:pPr>
-            <a:r>
-              <a:rPr lang="en-US" sz="1200" kern="1200" baseline="0" dirty="0" smtClean="0">
-                <a:solidFill>
-                  <a:schemeClr val="tx1"/>
-                </a:solidFill>
-                <a:effectLst/>
-                <a:latin typeface="+mn-lt"/>
-                <a:ea typeface="+mn-ea"/>
-                <a:cs typeface="+mn-cs"/>
-              </a:rPr>
-              <a:t>Choose between tools to work with.</a:t>
-            </a:r>
-          </a:p>
-          <a:p>
-            <a:pPr marL="171450" indent="-171450" rtl="0" fontAlgn="ctr">
-              <a:buFontTx/>
-              <a:buChar char="-"/>
-            </a:pPr>
-            <a:r>
-              <a:rPr lang="en-US" sz="1200" kern="1200" baseline="0" dirty="0" smtClean="0">
-                <a:solidFill>
-                  <a:schemeClr val="tx1"/>
-                </a:solidFill>
-                <a:effectLst/>
-                <a:latin typeface="+mn-lt"/>
-                <a:ea typeface="+mn-ea"/>
-                <a:cs typeface="+mn-cs"/>
-              </a:rPr>
-              <a:t>Estimate your work on R&amp;D tasks</a:t>
-            </a:r>
-          </a:p>
-          <a:p>
-            <a:pPr marL="171450" indent="-171450" rtl="0" fontAlgn="ctr">
-              <a:buFontTx/>
-              <a:buChar char="-"/>
-            </a:pPr>
-            <a:endParaRPr lang="en-US" sz="1200" kern="1200" baseline="0" dirty="0" smtClean="0">
+            <a:endParaRPr lang="x-none" sz="1200" kern="1200" dirty="0">
               <a:solidFill>
                 <a:schemeClr val="tx1"/>
               </a:solidFill>
@@ -1935,18 +1869,24 @@
             </a:endParaRPr>
           </a:p>
           <a:p>
-            <a:pPr marL="0" indent="0" rtl="0" fontAlgn="ctr">
-              <a:buNone/>
-            </a:pPr>
-            <a:endParaRPr lang="x-none" sz="1200" kern="1200" dirty="0" smtClean="0">
-              <a:solidFill>
-                <a:schemeClr val="tx1"/>
-              </a:solidFill>
-              <a:effectLst/>
-              <a:latin typeface="+mn-lt"/>
-              <a:ea typeface="+mn-ea"/>
-              <a:cs typeface="+mn-cs"/>
-            </a:endParaRPr>
+            <a:r>
+              <a:rPr lang="en-US" dirty="0"/>
+              <a:t>Show them C# coding style guides at Microsoft docs</a:t>
+            </a:r>
+          </a:p>
+          <a:p>
+            <a:r>
+              <a:rPr lang="en-US" dirty="0"/>
+              <a:t>https://git.ir</a:t>
+            </a:r>
+            <a:r>
+              <a:rPr lang="en-US" baseline="0" dirty="0"/>
+              <a:t> =&gt; clean code videos</a:t>
+            </a:r>
+            <a:endParaRPr lang="en-US" dirty="0"/>
+          </a:p>
+          <a:p>
+            <a:endParaRPr lang="en-US" dirty="0"/>
           </a:p>
         </p:txBody>
       </p:sp>
@@ -1976,7 +1916,7 @@
     </p:spTree>
     <p:extLst>
       <p:ext uri="{BB962C8B-B14F-4D97-AF65-F5344CB8AC3E}">
-        <p14:creationId xmlns:p14="http://schemas.microsoft.com/office/powerpoint/2010/main" val="28760946"/>
+        <p14:creationId xmlns:p14="http://schemas.microsoft.com/office/powerpoint/2010/main" val="2282082622"/>
       </p:ext>
     </p:extLst>
   </p:cSld>
@@ -2033,7 +1973,7 @@
             <a:pPr marL="0" indent="0" rtl="0" fontAlgn="ctr">
               <a:buNone/>
             </a:pPr>
-            <a:endParaRPr lang="x-none" sz="1200" kern="1200" dirty="0" smtClean="0">
+            <a:endParaRPr lang="x-none" sz="1200" kern="1200" dirty="0">
               <a:solidFill>
                 <a:schemeClr val="tx1"/>
               </a:solidFill>
@@ -2071,7 +2011,7 @@
     </p:spTree>
     <p:extLst>
       <p:ext uri="{BB962C8B-B14F-4D97-AF65-F5344CB8AC3E}">
-        <p14:creationId xmlns:p14="http://schemas.microsoft.com/office/powerpoint/2010/main" val="151854594"/>
+        <p14:creationId xmlns:p14="http://schemas.microsoft.com/office/powerpoint/2010/main" val="1520329463"/>
       </p:ext>
     </p:extLst>
   </p:cSld>
@@ -2128,7 +2068,7 @@
             <a:pPr marL="0" indent="0" rtl="0" fontAlgn="ctr">
               <a:buNone/>
             </a:pPr>
-            <a:endParaRPr lang="x-none" sz="1200" kern="1200" dirty="0" smtClean="0">
+            <a:endParaRPr lang="x-none" sz="1200" kern="1200" dirty="0">
               <a:solidFill>
                 <a:schemeClr val="tx1"/>
               </a:solidFill>
@@ -2158,6 +2098,101 @@
             <a:fld id="{38627BB8-F6A4-4A78-9DDC-C4121304CC62}" type="slidenum">
               <a:rPr lang="en-US" smtClean="0"/>
               <a:t>23</a:t>
+            </a:fld>
+            <a:endParaRPr lang="en-US"/>
+          </a:p>
+        </p:txBody>
+      </p:sp>
+    </p:spTree>
+    <p:extLst>
+      <p:ext uri="{BB962C8B-B14F-4D97-AF65-F5344CB8AC3E}">
+        <p14:creationId xmlns:p14="http://schemas.microsoft.com/office/powerpoint/2010/main" val="151854594"/>
+      </p:ext>
+    </p:extLst>
+  </p:cSld>
+  <p:clrMapOvr>
+    <a:masterClrMapping/>
+  </p:clrMapOvr>
+</p:notes>
+</file>
+
+<file path=ppt/notesSlides/notesSlide23.xml><?xml version="1.0" encoding="utf-8"?>
+<p:notes xmlns:a="http://schemas.openxmlformats.org/drawingml/2006/main" xmlns:r="http://schemas.openxmlformats.org/officeDocument/2006/relationships" xmlns:p="http://schemas.openxmlformats.org/presentationml/2006/main">
+  <p:cSld>
+    <p:spTree>
+      <p:nvGrpSpPr>
+        <p:cNvPr id="1" name=""/>
+        <p:cNvGrpSpPr/>
+        <p:nvPr/>
+      </p:nvGrpSpPr>
+      <p:grpSpPr>
+        <a:xfrm>
+          <a:off x="0" y="0"/>
+          <a:ext cx="0" cy="0"/>
+          <a:chOff x="0" y="0"/>
+          <a:chExt cx="0" cy="0"/>
+        </a:xfrm>
+      </p:grpSpPr>
+      <p:sp>
+        <p:nvSpPr>
+          <p:cNvPr id="2" name="Slide Image Placeholder 1"/>
+          <p:cNvSpPr>
+            <a:spLocks noGrp="1" noRot="1" noChangeAspect="1"/>
+          </p:cNvSpPr>
+          <p:nvPr>
+            <p:ph type="sldImg"/>
+          </p:nvPr>
+        </p:nvSpPr>
+        <p:spPr/>
+      </p:sp>
+      <p:sp>
+        <p:nvSpPr>
+          <p:cNvPr id="3" name="Notes Placeholder 2"/>
+          <p:cNvSpPr>
+            <a:spLocks noGrp="1"/>
+          </p:cNvSpPr>
+          <p:nvPr>
+            <p:ph type="body" idx="1"/>
+          </p:nvPr>
+        </p:nvSpPr>
+        <p:spPr/>
+        <p:txBody>
+          <a:bodyPr/>
+          <a:lstStyle/>
+          <a:p>
+            <a:pPr marL="0" indent="0" rtl="0" fontAlgn="ctr">
+              <a:buNone/>
+            </a:pPr>
+            <a:endParaRPr lang="x-none" sz="1200" kern="1200" dirty="0">
+              <a:solidFill>
+                <a:schemeClr val="tx1"/>
+              </a:solidFill>
+              <a:effectLst/>
+              <a:latin typeface="+mn-lt"/>
+              <a:ea typeface="+mn-ea"/>
+              <a:cs typeface="+mn-cs"/>
+            </a:endParaRPr>
+          </a:p>
+        </p:txBody>
+      </p:sp>
+      <p:sp>
+        <p:nvSpPr>
+          <p:cNvPr id="4" name="Slide Number Placeholder 3"/>
+          <p:cNvSpPr>
+            <a:spLocks noGrp="1"/>
+          </p:cNvSpPr>
+          <p:nvPr>
+            <p:ph type="sldNum" sz="quarter" idx="10"/>
+          </p:nvPr>
+        </p:nvSpPr>
+        <p:spPr/>
+        <p:txBody>
+          <a:bodyPr/>
+          <a:lstStyle/>
+          <a:p>
+            <a:fld id="{38627BB8-F6A4-4A78-9DDC-C4121304CC62}" type="slidenum">
+              <a:rPr lang="en-US" smtClean="0"/>
+              <a:t>24</a:t>
             </a:fld>
             <a:endParaRPr lang="en-US"/>
           </a:p>
@@ -2224,7 +2259,7 @@
               <a:buNone/>
             </a:pPr>
             <a:r>
-              <a:rPr lang="en-US" sz="1200" kern="1200" dirty="0" smtClean="0">
+              <a:rPr lang="en-US" sz="1200" kern="1200" dirty="0">
                 <a:solidFill>
                   <a:schemeClr val="tx1"/>
                 </a:solidFill>
@@ -2236,7 +2271,7 @@
               <a:t>Show them </a:t>
             </a:r>
             <a:r>
-              <a:rPr lang="en-US" sz="1200" kern="1200" dirty="0" err="1" smtClean="0">
+              <a:rPr lang="en-US" sz="1200" kern="1200" dirty="0" err="1">
                 <a:solidFill>
                   <a:schemeClr val="tx1"/>
                 </a:solidFill>
@@ -2248,7 +2283,7 @@
               <a:t>Logikan</a:t>
             </a:r>
             <a:r>
-              <a:rPr lang="en-US" sz="1200" kern="1200" baseline="0" dirty="0" smtClean="0">
+              <a:rPr lang="en-US" sz="1200" kern="1200" baseline="0" dirty="0">
                 <a:solidFill>
                   <a:schemeClr val="tx1"/>
                 </a:solidFill>
@@ -2259,7 +2294,7 @@
               </a:rPr>
               <a:t> library</a:t>
             </a:r>
-            <a:endParaRPr lang="x-none" sz="1200" kern="1200" dirty="0" smtClean="0">
+            <a:endParaRPr lang="x-none" sz="1200" kern="1200" dirty="0">
               <a:solidFill>
                 <a:schemeClr val="tx1"/>
               </a:solidFill>
@@ -2355,7 +2390,7 @@
               <a:buNone/>
             </a:pPr>
             <a:r>
-              <a:rPr lang="en-US" sz="1200" kern="1200" dirty="0" smtClean="0">
+              <a:rPr lang="en-US" sz="1200" kern="1200" dirty="0">
                 <a:solidFill>
                   <a:schemeClr val="tx1"/>
                 </a:solidFill>
@@ -2366,7 +2401,7 @@
               </a:rPr>
               <a:t>Use blank lines to separate different concepts in your code</a:t>
             </a:r>
-            <a:endParaRPr lang="x-none" sz="1200" kern="1200" dirty="0" smtClean="0">
+            <a:endParaRPr lang="x-none" sz="1200" kern="1200" dirty="0">
               <a:solidFill>
                 <a:schemeClr val="tx1"/>
               </a:solidFill>
@@ -2461,7 +2496,7 @@
             <a:pPr marL="0" indent="0" rtl="0" fontAlgn="ctr">
               <a:buNone/>
             </a:pPr>
-            <a:endParaRPr lang="x-none" sz="1200" kern="1200" dirty="0" smtClean="0">
+            <a:endParaRPr lang="x-none" sz="1200" kern="1200" dirty="0">
               <a:solidFill>
                 <a:schemeClr val="tx1"/>
               </a:solidFill>
@@ -2557,7 +2592,7 @@
               <a:buNone/>
             </a:pPr>
             <a:r>
-              <a:rPr lang="en-US" sz="1200" kern="1200" dirty="0" smtClean="0">
+              <a:rPr lang="en-US" sz="1200" kern="1200" dirty="0">
                 <a:solidFill>
                   <a:schemeClr val="tx1"/>
                 </a:solidFill>
@@ -2569,7 +2604,7 @@
               <a:t>Notice how the useless</a:t>
             </a:r>
             <a:r>
-              <a:rPr lang="en-US" sz="1200" kern="1200" baseline="0" dirty="0" smtClean="0">
+              <a:rPr lang="en-US" sz="1200" kern="1200" baseline="0" dirty="0">
                 <a:solidFill>
                   <a:schemeClr val="tx1"/>
                 </a:solidFill>
@@ -2581,7 +2616,7 @@
               <a:t> </a:t>
             </a:r>
             <a:r>
-              <a:rPr lang="en-US" sz="1200" kern="1200" dirty="0" smtClean="0">
+              <a:rPr lang="en-US" sz="1200" kern="1200" dirty="0">
                 <a:solidFill>
                   <a:schemeClr val="tx1"/>
                 </a:solidFill>
@@ -2592,7 +2627,7 @@
               </a:rPr>
               <a:t>comments in Listing 5-3 break the close association of the two instance variables.</a:t>
             </a:r>
-            <a:endParaRPr lang="x-none" sz="1200" kern="1200" dirty="0" smtClean="0">
+            <a:endParaRPr lang="x-none" sz="1200" kern="1200" dirty="0">
               <a:solidFill>
                 <a:schemeClr val="tx1"/>
               </a:solidFill>
@@ -2687,7 +2722,7 @@
             <a:pPr marL="0" indent="0" rtl="0" fontAlgn="ctr">
               <a:buNone/>
             </a:pPr>
-            <a:endParaRPr lang="x-none" sz="1200" kern="1200" dirty="0" smtClean="0">
+            <a:endParaRPr lang="x-none" sz="1200" kern="1200" dirty="0">
               <a:solidFill>
                 <a:schemeClr val="tx1"/>
               </a:solidFill>
@@ -2783,7 +2818,7 @@
               <a:buNone/>
             </a:pPr>
             <a:r>
-              <a:rPr lang="en-US" sz="1200" b="0" i="0" u="none" strike="noStrike" kern="1200" baseline="0" dirty="0" smtClean="0">
+              <a:rPr lang="en-US" sz="1200" b="0" i="0" u="none" strike="noStrike" kern="1200" baseline="0" dirty="0">
                 <a:solidFill>
                   <a:schemeClr val="tx1"/>
                 </a:solidFill>
@@ -2793,7 +2828,7 @@
               </a:rPr>
               <a:t>Variables should be declared as close to their usage as possible</a:t>
             </a:r>
-            <a:endParaRPr lang="x-none" sz="1200" kern="1200" dirty="0" smtClean="0">
+            <a:endParaRPr lang="x-none" sz="1200" kern="1200" dirty="0">
               <a:solidFill>
                 <a:schemeClr val="tx1"/>
               </a:solidFill>
@@ -2903,7 +2938,7 @@
               <a:defRPr/>
             </a:pPr>
             <a:r>
-              <a:rPr lang="en-US" sz="1200" b="0" i="0" u="none" strike="noStrike" kern="1200" baseline="0" dirty="0" smtClean="0">
+              <a:rPr lang="en-US" sz="1200" b="0" i="0" u="none" strike="noStrike" kern="1200" baseline="0" dirty="0">
                 <a:solidFill>
                   <a:schemeClr val="tx1"/>
                 </a:solidFill>
@@ -2913,7 +2948,7 @@
               </a:rPr>
               <a:t>Define them at the top of class, (or in a place well known for everybody)</a:t>
             </a:r>
-            <a:endParaRPr lang="x-none" sz="1200" kern="1200" dirty="0" smtClean="0">
+            <a:endParaRPr lang="x-none" sz="1200" kern="1200" dirty="0">
               <a:solidFill>
                 <a:schemeClr val="tx1"/>
               </a:solidFill>
@@ -2927,7 +2962,7 @@
             <a:pPr marL="0" indent="0" rtl="0" fontAlgn="ctr">
               <a:buNone/>
             </a:pPr>
-            <a:endParaRPr lang="x-none" sz="1200" kern="1200" dirty="0" smtClean="0">
+            <a:endParaRPr lang="x-none" sz="1200" kern="1200" dirty="0">
               <a:solidFill>
                 <a:schemeClr val="tx1"/>
               </a:solidFill>
@@ -3114,7 +3149,7 @@
           <a:p>
             <a:fld id="{1D8BD707-D9CF-40AE-B4C6-C98DA3205C09}" type="datetimeFigureOut">
               <a:rPr lang="en-US"/>
-              <a:t>1/17/2021</a:t>
+              <a:t>4/10/2021</a:t>
             </a:fld>
             <a:endParaRPr lang="en-US"/>
           </a:p>
@@ -3289,7 +3324,7 @@
           <a:p>
             <a:fld id="{1D8BD707-D9CF-40AE-B4C6-C98DA3205C09}" type="datetimeFigureOut">
               <a:rPr lang="en-US"/>
-              <a:t>1/17/2021</a:t>
+              <a:t>4/10/2021</a:t>
             </a:fld>
             <a:endParaRPr lang="en-US"/>
           </a:p>
@@ -3503,7 +3538,7 @@
           <a:p>
             <a:fld id="{1D8BD707-D9CF-40AE-B4C6-C98DA3205C09}" type="datetimeFigureOut">
               <a:rPr lang="en-US"/>
-              <a:t>1/17/2021</a:t>
+              <a:t>4/10/2021</a:t>
             </a:fld>
             <a:endParaRPr lang="en-US"/>
           </a:p>
@@ -3651,7 +3686,7 @@
           <a:p>
             <a:fld id="{1D8BD707-D9CF-40AE-B4C6-C98DA3205C09}" type="datetimeFigureOut">
               <a:rPr lang="en-US"/>
-              <a:t>1/17/2021</a:t>
+              <a:t>4/10/2021</a:t>
             </a:fld>
             <a:endParaRPr lang="en-US"/>
           </a:p>
@@ -3770,7 +3805,7 @@
           <a:p>
             <a:fld id="{1D8BD707-D9CF-40AE-B4C6-C98DA3205C09}" type="datetimeFigureOut">
               <a:rPr lang="en-US"/>
-              <a:t>1/17/2021</a:t>
+              <a:t>4/10/2021</a:t>
             </a:fld>
             <a:endParaRPr lang="en-US"/>
           </a:p>
@@ -4072,7 +4107,7 @@
           <a:p>
             <a:fld id="{1D8BD707-D9CF-40AE-B4C6-C98DA3205C09}" type="datetimeFigureOut">
               <a:rPr lang="en-US"/>
-              <a:t>1/17/2021</a:t>
+              <a:t>4/10/2021</a:t>
             </a:fld>
             <a:endParaRPr lang="en-US"/>
           </a:p>
@@ -4351,25 +4386,17 @@
               </a:lnSpc>
             </a:pPr>
             <a:r>
-              <a:rPr lang="en-US" sz="6000" smtClean="0"/>
+              <a:rPr lang="en-US" sz="6000"/>
               <a:t>Chapter 5</a:t>
             </a:r>
-            <a:r>
-              <a:rPr lang="en-US" sz="6000" dirty="0" smtClean="0"/>
-              <a:t/>
-            </a:r>
             <a:br>
-              <a:rPr lang="en-US" sz="6000" dirty="0" smtClean="0"/>
+              <a:rPr lang="en-US" sz="6000" dirty="0"/>
             </a:br>
-            <a:r>
-              <a:rPr lang="en-US" spc="-10" dirty="0" smtClean="0"/>
-              <a:t/>
-            </a:r>
             <a:br>
-              <a:rPr lang="en-US" spc="-10" dirty="0" smtClean="0"/>
+              <a:rPr lang="en-US" spc="-10" dirty="0"/>
             </a:br>
             <a:r>
-              <a:rPr lang="en-US" spc="-10" dirty="0" smtClean="0"/>
+              <a:rPr lang="en-US" spc="-10" dirty="0"/>
               <a:t>Formatting</a:t>
             </a:r>
             <a:endParaRPr spc="-5" dirty="0"/>
@@ -4386,13 +4413,6 @@
   <p:clrMapOvr>
     <a:masterClrMapping/>
   </p:clrMapOvr>
-  <p:timing>
-    <p:tnLst>
-      <p:par>
-        <p:cTn id="1" dur="indefinite" restart="never" nodeType="tmRoot"/>
-      </p:par>
-    </p:tnLst>
-  </p:timing>
 </p:sld>
 </file>
 
@@ -4448,25 +4468,20 @@
           </a:lstStyle>
           <a:p>
             <a:r>
-              <a:rPr lang="en-US" dirty="0" smtClean="0">
+              <a:rPr lang="en-US" dirty="0">
                 <a:solidFill>
                   <a:srgbClr val="00B0F0"/>
                 </a:solidFill>
               </a:rPr>
               <a:t>Vertical distance</a:t>
             </a:r>
-            <a:r>
-              <a:rPr lang="en-US" dirty="0" smtClean="0"/>
-              <a:t/>
-            </a:r>
             <a:br>
-              <a:rPr lang="en-US" dirty="0" smtClean="0"/>
+              <a:rPr lang="en-US" dirty="0"/>
             </a:br>
             <a:r>
-              <a:rPr lang="en-US" dirty="0" smtClean="0"/>
+              <a:rPr lang="en-US" dirty="0"/>
               <a:t>Instance variables</a:t>
             </a:r>
-            <a:endParaRPr lang="en-US" dirty="0"/>
           </a:p>
         </p:txBody>
       </p:sp>
@@ -4504,13 +4519,6 @@
   <p:clrMapOvr>
     <a:masterClrMapping/>
   </p:clrMapOvr>
-  <p:timing>
-    <p:tnLst>
-      <p:par>
-        <p:cTn id="1" dur="indefinite" restart="never" nodeType="tmRoot"/>
-      </p:par>
-    </p:tnLst>
-  </p:timing>
 </p:sld>
 </file>
 
@@ -4566,25 +4574,20 @@
           </a:lstStyle>
           <a:p>
             <a:r>
-              <a:rPr lang="en-US" dirty="0" smtClean="0">
+              <a:rPr lang="en-US" dirty="0">
                 <a:solidFill>
                   <a:srgbClr val="00B0F0"/>
                 </a:solidFill>
               </a:rPr>
               <a:t>Vertical distance</a:t>
             </a:r>
-            <a:r>
-              <a:rPr lang="en-US" dirty="0" smtClean="0"/>
-              <a:t/>
-            </a:r>
             <a:br>
-              <a:rPr lang="en-US" dirty="0" smtClean="0"/>
+              <a:rPr lang="en-US" dirty="0"/>
             </a:br>
             <a:r>
-              <a:rPr lang="en-US" dirty="0" smtClean="0"/>
+              <a:rPr lang="en-US" dirty="0"/>
               <a:t>Dependent functions</a:t>
             </a:r>
-            <a:endParaRPr lang="en-US" dirty="0"/>
           </a:p>
         </p:txBody>
       </p:sp>
@@ -4622,13 +4625,6 @@
   <p:clrMapOvr>
     <a:masterClrMapping/>
   </p:clrMapOvr>
-  <p:timing>
-    <p:tnLst>
-      <p:par>
-        <p:cTn id="1" dur="indefinite" restart="never" nodeType="tmRoot"/>
-      </p:par>
-    </p:tnLst>
-  </p:timing>
 </p:sld>
 </file>
 
@@ -4683,13 +4679,6 @@
   <p:clrMapOvr>
     <a:masterClrMapping/>
   </p:clrMapOvr>
-  <p:timing>
-    <p:tnLst>
-      <p:par>
-        <p:cTn id="1" dur="indefinite" restart="never" nodeType="tmRoot"/>
-      </p:par>
-    </p:tnLst>
-  </p:timing>
 </p:sld>
 </file>
 
@@ -4744,13 +4733,6 @@
   <p:clrMapOvr>
     <a:masterClrMapping/>
   </p:clrMapOvr>
-  <p:timing>
-    <p:tnLst>
-      <p:par>
-        <p:cTn id="1" dur="indefinite" restart="never" nodeType="tmRoot"/>
-      </p:par>
-    </p:tnLst>
-  </p:timing>
 </p:sld>
 </file>
 
@@ -4806,29 +4788,20 @@
           </a:lstStyle>
           <a:p>
             <a:r>
-              <a:rPr lang="en-US" dirty="0" smtClean="0">
+              <a:rPr lang="en-US" dirty="0">
                 <a:solidFill>
                   <a:srgbClr val="00B0F0"/>
                 </a:solidFill>
               </a:rPr>
               <a:t>Vertical distance</a:t>
-            </a:r>
-            <a:r>
-              <a:rPr lang="en-US" dirty="0"/>
-              <a:t/>
             </a:r>
             <a:br>
               <a:rPr lang="en-US" dirty="0"/>
             </a:br>
             <a:r>
               <a:rPr lang="en-US" dirty="0"/>
-              <a:t>Conceptual </a:t>
-            </a:r>
-            <a:r>
-              <a:rPr lang="en-US" dirty="0" smtClean="0"/>
-              <a:t>Affinity</a:t>
-            </a:r>
-            <a:endParaRPr lang="en-US" dirty="0"/>
+              <a:t>Conceptual Affinity</a:t>
+            </a:r>
           </a:p>
         </p:txBody>
       </p:sp>
@@ -4866,13 +4839,6 @@
   <p:clrMapOvr>
     <a:masterClrMapping/>
   </p:clrMapOvr>
-  <p:timing>
-    <p:tnLst>
-      <p:par>
-        <p:cTn id="1" dur="indefinite" restart="never" nodeType="tmRoot"/>
-      </p:par>
-    </p:tnLst>
-  </p:timing>
 </p:sld>
 </file>
 
@@ -4928,10 +4894,9 @@
           </a:lstStyle>
           <a:p>
             <a:r>
-              <a:rPr lang="en-US" dirty="0" smtClean="0"/>
+              <a:rPr lang="en-US" dirty="0"/>
               <a:t>Horizontal Formatting</a:t>
             </a:r>
-            <a:endParaRPr lang="en-US" dirty="0"/>
           </a:p>
         </p:txBody>
       </p:sp>
@@ -5171,7 +5136,6 @@
               <a:rPr lang="en-US" dirty="0"/>
               <a:t>Horizontal Openness and Density</a:t>
             </a:r>
-            <a:endParaRPr lang="en-US" dirty="0"/>
           </a:p>
         </p:txBody>
       </p:sp>
@@ -5209,13 +5173,6 @@
   <p:clrMapOvr>
     <a:masterClrMapping/>
   </p:clrMapOvr>
-  <p:timing>
-    <p:tnLst>
-      <p:par>
-        <p:cTn id="1" dur="indefinite" restart="never" nodeType="tmRoot"/>
-      </p:par>
-    </p:tnLst>
-  </p:timing>
 </p:sld>
 </file>
 
@@ -5271,10 +5228,9 @@
           </a:lstStyle>
           <a:p>
             <a:r>
-              <a:rPr lang="en-US" dirty="0" smtClean="0"/>
+              <a:rPr lang="en-US" dirty="0"/>
               <a:t>Horizontal alignment</a:t>
             </a:r>
-            <a:endParaRPr lang="en-US" dirty="0"/>
           </a:p>
         </p:txBody>
       </p:sp>
@@ -5312,13 +5268,6 @@
   <p:clrMapOvr>
     <a:masterClrMapping/>
   </p:clrMapOvr>
-  <p:timing>
-    <p:tnLst>
-      <p:par>
-        <p:cTn id="1" dur="indefinite" restart="never" nodeType="tmRoot"/>
-      </p:par>
-    </p:tnLst>
-  </p:timing>
 </p:sld>
 </file>
 
@@ -5374,10 +5323,9 @@
           </a:lstStyle>
           <a:p>
             <a:r>
-              <a:rPr lang="en-US" dirty="0" smtClean="0"/>
+              <a:rPr lang="en-US" dirty="0"/>
               <a:t>Indentation</a:t>
             </a:r>
-            <a:endParaRPr lang="en-US" dirty="0"/>
           </a:p>
         </p:txBody>
       </p:sp>
@@ -5439,13 +5387,6 @@
   <p:clrMapOvr>
     <a:masterClrMapping/>
   </p:clrMapOvr>
-  <p:timing>
-    <p:tnLst>
-      <p:par>
-        <p:cTn id="1" dur="indefinite" restart="never" nodeType="tmRoot"/>
-      </p:par>
-    </p:tnLst>
-  </p:timing>
 </p:sld>
 </file>
 
@@ -5501,10 +5442,9 @@
           </a:lstStyle>
           <a:p>
             <a:r>
-              <a:rPr lang="en-US" dirty="0" smtClean="0"/>
+              <a:rPr lang="en-US" dirty="0"/>
               <a:t>Dummy scopes</a:t>
             </a:r>
-            <a:endParaRPr lang="en-US" dirty="0"/>
           </a:p>
         </p:txBody>
       </p:sp>
@@ -5542,13 +5482,6 @@
   <p:clrMapOvr>
     <a:masterClrMapping/>
   </p:clrMapOvr>
-  <p:timing>
-    <p:tnLst>
-      <p:par>
-        <p:cTn id="1" dur="indefinite" restart="never" nodeType="tmRoot"/>
-      </p:par>
-    </p:tnLst>
-  </p:timing>
 </p:sld>
 </file>
 
@@ -5601,7 +5534,7 @@
               </a:tabLst>
             </a:pPr>
             <a:r>
-              <a:rPr lang="en-US" sz="3200" dirty="0" smtClean="0">
+              <a:rPr lang="en-US" sz="3200" dirty="0">
                 <a:solidFill>
                   <a:srgbClr val="FFFFFF"/>
                 </a:solidFill>
@@ -5642,7 +5575,7 @@
               </a:tabLst>
             </a:pPr>
             <a:r>
-              <a:rPr lang="en-US" sz="3200" dirty="0" smtClean="0">
+              <a:rPr lang="en-US" sz="3200" dirty="0">
                 <a:solidFill>
                   <a:srgbClr val="FFFFFF"/>
                 </a:solidFill>
@@ -5683,7 +5616,7 @@
               </a:tabLst>
             </a:pPr>
             <a:r>
-              <a:rPr lang="en-US" sz="3200" dirty="0" smtClean="0">
+              <a:rPr lang="en-US" sz="3200" dirty="0">
                 <a:solidFill>
                   <a:srgbClr val="FFFFFF"/>
                 </a:solidFill>
@@ -5724,7 +5657,7 @@
               </a:tabLst>
             </a:pPr>
             <a:r>
-              <a:rPr lang="en-US" sz="3200" dirty="0" smtClean="0">
+              <a:rPr lang="en-US" sz="3200" dirty="0">
                 <a:solidFill>
                   <a:srgbClr val="FFFFFF"/>
                 </a:solidFill>
@@ -5778,10 +5711,9 @@
           </a:lstStyle>
           <a:p>
             <a:r>
-              <a:rPr lang="en-US" dirty="0" smtClean="0"/>
+              <a:rPr lang="en-US" dirty="0"/>
               <a:t>How do you acknowledge one code as well-formatted ?</a:t>
             </a:r>
-            <a:endParaRPr lang="en-US" dirty="0"/>
           </a:p>
         </p:txBody>
       </p:sp>
@@ -6287,7 +6219,7 @@
               </a:tabLst>
             </a:pPr>
             <a:r>
-              <a:rPr lang="en-US" sz="3200" dirty="0" smtClean="0">
+              <a:rPr lang="en-US" sz="3200" dirty="0">
                 <a:solidFill>
                   <a:srgbClr val="FFFFFF"/>
                 </a:solidFill>
@@ -6341,10 +6273,9 @@
           </a:lstStyle>
           <a:p>
             <a:r>
-              <a:rPr lang="en-US" dirty="0" smtClean="0"/>
+              <a:rPr lang="en-US" dirty="0"/>
               <a:t>Team Rules</a:t>
             </a:r>
-            <a:endParaRPr lang="en-US" dirty="0"/>
           </a:p>
         </p:txBody>
       </p:sp>
@@ -6358,13 +6289,6 @@
   <p:clrMapOvr>
     <a:masterClrMapping/>
   </p:clrMapOvr>
-  <p:timing>
-    <p:tnLst>
-      <p:par>
-        <p:cTn id="1" dur="indefinite" restart="never" nodeType="tmRoot"/>
-      </p:par>
-    </p:tnLst>
-  </p:timing>
 </p:sld>
 </file>
 
@@ -6397,8 +6321,8 @@
         </p:nvSpPr>
         <p:spPr>
           <a:xfrm>
-            <a:off x="-1066800" y="1143000"/>
-            <a:ext cx="13027405" cy="615553"/>
+            <a:off x="-990600" y="1143476"/>
+            <a:ext cx="12417805" cy="615553"/>
           </a:xfrm>
           <a:prstGeom prst="rect">
             <a:avLst/>
@@ -6416,7 +6340,7 @@
               </a:lnSpc>
             </a:pPr>
             <a:r>
-              <a:rPr lang="en-US" spc="-5" dirty="0" smtClean="0">
+              <a:rPr lang="en-US" spc="-5" dirty="0">
                 <a:solidFill>
                   <a:srgbClr val="00B0F0"/>
                 </a:solidFill>
@@ -6424,8 +6348,8 @@
               <a:t>Vocabulary</a:t>
             </a:r>
             <a:r>
-              <a:rPr lang="en-US" spc="-5" dirty="0" smtClean="0"/>
-              <a:t>: Learning curve</a:t>
+              <a:rPr lang="en-US" spc="-5" dirty="0"/>
+              <a:t>: Coding style</a:t>
             </a:r>
             <a:endParaRPr spc="-5" dirty="0">
               <a:latin typeface="Century Gothic"/>
@@ -6442,8 +6366,8 @@
         </p:nvSpPr>
         <p:spPr>
           <a:xfrm>
-            <a:off x="892986" y="2133600"/>
-            <a:ext cx="10765614" cy="1477328"/>
+            <a:off x="892986" y="2367695"/>
+            <a:ext cx="10689413" cy="2954655"/>
           </a:xfrm>
           <a:prstGeom prst="rect">
             <a:avLst/>
@@ -6455,226 +6379,205 @@
           </a:bodyPr>
           <a:lstStyle/>
           <a:p>
-            <a:pPr marL="12700">
+            <a:pPr marL="241300" indent="-228600">
               <a:lnSpc>
                 <a:spcPct val="100000"/>
               </a:lnSpc>
+              <a:buFont typeface="Arial"/>
+              <a:buChar char="•"/>
               <a:tabLst>
                 <a:tab pos="241300" algn="l"/>
               </a:tabLst>
             </a:pPr>
             <a:r>
-              <a:rPr lang="en-US" sz="3200" dirty="0" smtClean="0">
+              <a:rPr lang="en-US" sz="3200" dirty="0">
                 <a:solidFill>
                   <a:srgbClr val="FFFFFF"/>
                 </a:solidFill>
                 <a:latin typeface="Century Gothic"/>
                 <a:cs typeface="Century Gothic"/>
               </a:rPr>
-              <a:t>Relationship between </a:t>
-            </a:r>
-            <a:r>
-              <a:rPr lang="en-US" sz="3200" dirty="0" smtClean="0">
-                <a:solidFill>
-                  <a:srgbClr val="FFFF00"/>
-                </a:solidFill>
-                <a:latin typeface="Century Gothic"/>
-                <a:cs typeface="Century Gothic"/>
-              </a:rPr>
-              <a:t>Proficiency</a:t>
-            </a:r>
-            <a:r>
-              <a:rPr lang="en-US" sz="3200" dirty="0" smtClean="0">
-                <a:solidFill>
-                  <a:srgbClr val="FFFFFF"/>
-                </a:solidFill>
-                <a:latin typeface="Century Gothic"/>
-                <a:cs typeface="Century Gothic"/>
-              </a:rPr>
-              <a:t> and </a:t>
-            </a:r>
-            <a:r>
-              <a:rPr lang="en-US" sz="3200" dirty="0" smtClean="0">
-                <a:solidFill>
-                  <a:srgbClr val="FFFF00"/>
-                </a:solidFill>
-                <a:latin typeface="Century Gothic"/>
-                <a:cs typeface="Century Gothic"/>
-              </a:rPr>
-              <a:t>Amount of time </a:t>
-            </a:r>
-            <a:r>
-              <a:rPr lang="en-US" sz="3200" dirty="0" smtClean="0">
-                <a:solidFill>
-                  <a:srgbClr val="FFFFFF"/>
-                </a:solidFill>
-                <a:latin typeface="Century Gothic"/>
-                <a:cs typeface="Century Gothic"/>
-              </a:rPr>
-              <a:t>you spend to learn something</a:t>
-            </a:r>
-            <a:br>
-              <a:rPr lang="en-US" sz="3200" dirty="0" smtClean="0">
-                <a:solidFill>
-                  <a:srgbClr val="FFFFFF"/>
-                </a:solidFill>
-                <a:latin typeface="Century Gothic"/>
-                <a:cs typeface="Century Gothic"/>
-              </a:rPr>
-            </a:br>
-            <a:r>
-              <a:rPr lang="en-US" sz="3200" dirty="0" smtClean="0">
-                <a:solidFill>
-                  <a:srgbClr val="FFFFFF"/>
-                </a:solidFill>
-                <a:latin typeface="Century Gothic"/>
-                <a:cs typeface="Century Gothic"/>
-              </a:rPr>
-              <a:t>To do a task as Done.</a:t>
-            </a:r>
-            <a:endParaRPr lang="en-US" sz="3200" dirty="0" smtClean="0">
+              <a:t>Set of rules or guidelines to write and read code</a:t>
+            </a:r>
+          </a:p>
+          <a:p>
+            <a:pPr marL="241300" indent="-228600">
+              <a:lnSpc>
+                <a:spcPct val="100000"/>
+              </a:lnSpc>
+              <a:buFont typeface="Arial"/>
+              <a:buChar char="•"/>
+              <a:tabLst>
+                <a:tab pos="241300" algn="l"/>
+              </a:tabLst>
+            </a:pPr>
+            <a:endParaRPr lang="en-US" sz="3200" dirty="0">
               <a:solidFill>
-                <a:schemeClr val="bg1"/>
+                <a:srgbClr val="FFFFFF"/>
               </a:solidFill>
               <a:latin typeface="Century Gothic"/>
               <a:cs typeface="Century Gothic"/>
             </a:endParaRPr>
           </a:p>
-        </p:txBody>
-      </p:sp>
-      <p:pic>
-        <p:nvPicPr>
-          <p:cNvPr id="1026" name="Picture 2" descr="https://en.wikipedia.org/api/rest_v1/page/graph/png/Learning_curve/0/8ecbe54983fb93cd5cacd2eaf19e9f5e1bb6f245.png"/>
-          <p:cNvPicPr>
-            <a:picLocks noChangeAspect="1" noChangeArrowheads="1"/>
-          </p:cNvPicPr>
+          <a:p>
+            <a:pPr marL="241300" indent="-228600">
+              <a:lnSpc>
+                <a:spcPct val="100000"/>
+              </a:lnSpc>
+              <a:buFont typeface="Arial"/>
+              <a:buChar char="•"/>
+              <a:tabLst>
+                <a:tab pos="241300" algn="l"/>
+              </a:tabLst>
+            </a:pPr>
+            <a:r>
+              <a:rPr lang="en-US" sz="3200" dirty="0">
+                <a:solidFill>
+                  <a:srgbClr val="FFFFFF"/>
+                </a:solidFill>
+                <a:latin typeface="Century Gothic"/>
+                <a:cs typeface="Century Gothic"/>
+              </a:rPr>
+              <a:t>Help teams to understand each other’s code</a:t>
+            </a:r>
+          </a:p>
+          <a:p>
+            <a:pPr marL="241300" indent="-228600">
+              <a:lnSpc>
+                <a:spcPct val="100000"/>
+              </a:lnSpc>
+              <a:buFont typeface="Arial"/>
+              <a:buChar char="•"/>
+              <a:tabLst>
+                <a:tab pos="241300" algn="l"/>
+              </a:tabLst>
+            </a:pPr>
+            <a:endParaRPr lang="en-US" sz="3200" dirty="0">
+              <a:solidFill>
+                <a:srgbClr val="FFFFFF"/>
+              </a:solidFill>
+              <a:latin typeface="Century Gothic"/>
+              <a:cs typeface="Century Gothic"/>
+            </a:endParaRPr>
+          </a:p>
+          <a:p>
+            <a:pPr marL="241300" indent="-228600">
+              <a:lnSpc>
+                <a:spcPct val="100000"/>
+              </a:lnSpc>
+              <a:buFont typeface="Arial"/>
+              <a:buChar char="•"/>
+              <a:tabLst>
+                <a:tab pos="241300" algn="l"/>
+              </a:tabLst>
+            </a:pPr>
+            <a:r>
+              <a:rPr lang="en-US" sz="3200" dirty="0">
+                <a:solidFill>
+                  <a:srgbClr val="FFFFFF"/>
+                </a:solidFill>
+                <a:latin typeface="Century Gothic"/>
+                <a:cs typeface="Century Gothic"/>
+              </a:rPr>
+              <a:t>Reduce conflicts on source control and enhance code review</a:t>
+            </a:r>
+            <a:endParaRPr sz="3200" dirty="0">
+              <a:latin typeface="Century Gothic"/>
+              <a:cs typeface="Century Gothic"/>
+            </a:endParaRPr>
+          </a:p>
+        </p:txBody>
+      </p:sp>
+      <p:sp>
+        <p:nvSpPr>
+          <p:cNvPr id="4" name="Rectangle 3"/>
+          <p:cNvSpPr/>
           <p:nvPr/>
-        </p:nvPicPr>
-        <p:blipFill>
-          <a:blip r:embed="rId3">
-            <a:extLst>
-              <a:ext uri="{28A0092B-C50C-407E-A947-70E740481C1C}">
-                <a14:useLocalDpi xmlns:a14="http://schemas.microsoft.com/office/drawing/2010/main" val="0"/>
-              </a:ext>
-            </a:extLst>
-          </a:blip>
-          <a:srcRect/>
-          <a:stretch>
-            <a:fillRect/>
-          </a:stretch>
-        </p:blipFill>
-        <p:spPr bwMode="auto">
+        </p:nvSpPr>
+        <p:spPr>
           <a:xfrm>
-            <a:off x="1752600" y="4034444"/>
-            <a:ext cx="3453938" cy="2517040"/>
+            <a:off x="9677400" y="6307235"/>
+            <a:ext cx="2209800" cy="369332"/>
           </a:xfrm>
-          <a:prstGeom prst="roundRect">
-            <a:avLst>
-              <a:gd name="adj" fmla="val 4167"/>
-            </a:avLst>
+          <a:prstGeom prst="rect">
+            <a:avLst/>
           </a:prstGeom>
-          <a:solidFill>
-            <a:srgbClr val="FFFFFF"/>
-          </a:solidFill>
-          <a:ln w="76200" cap="sq">
-            <a:solidFill>
-              <a:srgbClr val="EAEAEA"/>
-            </a:solidFill>
-            <a:miter lim="800000"/>
-          </a:ln>
-          <a:effectLst>
-            <a:reflection blurRad="12700" stA="33000" endPos="28000" dist="5000" dir="5400000" sy="-100000" algn="bl" rotWithShape="0"/>
-          </a:effectLst>
-          <a:scene3d>
-            <a:camera prst="orthographicFront"/>
-            <a:lightRig rig="threePt" dir="t">
-              <a:rot lat="0" lon="0" rev="2700000"/>
-            </a:lightRig>
-          </a:scene3d>
-          <a:sp3d contourW="6350">
-            <a:bevelT h="38100"/>
-            <a:contourClr>
-              <a:srgbClr val="C0C0C0"/>
-            </a:contourClr>
-          </a:sp3d>
-          <a:extLst/>
         </p:spPr>
-      </p:pic>
-      <p:pic>
-        <p:nvPicPr>
-          <p:cNvPr id="1028" name="Picture 4" descr="https://en.wikipedia.org/api/rest_v1/page/graph/png/Learning_curve/0/d5319f58b5392f830a0a3406a14a65d110da8784.png"/>
-          <p:cNvPicPr>
-            <a:picLocks noChangeAspect="1" noChangeArrowheads="1"/>
-          </p:cNvPicPr>
+        <p:txBody>
+          <a:bodyPr wrap="square">
+            <a:spAutoFit/>
+          </a:bodyPr>
+          <a:lstStyle/>
+          <a:p>
+            <a:pPr lvl="0">
+              <a:defRPr/>
+            </a:pPr>
+            <a:r>
+              <a:rPr lang="en-US" dirty="0">
+                <a:solidFill>
+                  <a:srgbClr val="0070C0"/>
+                </a:solidFill>
+                <a:hlinkClick r:id="rId3"/>
+              </a:rPr>
+              <a:t>C# coding styles</a:t>
+            </a:r>
+            <a:endParaRPr lang="en-US" dirty="0">
+              <a:solidFill>
+                <a:srgbClr val="0070C0"/>
+              </a:solidFill>
+            </a:endParaRPr>
+          </a:p>
+        </p:txBody>
+      </p:sp>
+      <p:sp>
+        <p:nvSpPr>
+          <p:cNvPr id="5" name="TextBox 4"/>
+          <p:cNvSpPr txBox="1"/>
           <p:nvPr/>
-        </p:nvPicPr>
-        <p:blipFill>
-          <a:blip r:embed="rId4">
-            <a:extLst>
-              <a:ext uri="{28A0092B-C50C-407E-A947-70E740481C1C}">
-                <a14:useLocalDpi xmlns:a14="http://schemas.microsoft.com/office/drawing/2010/main" val="0"/>
-              </a:ext>
-            </a:extLst>
-          </a:blip>
-          <a:srcRect/>
-          <a:stretch>
-            <a:fillRect/>
-          </a:stretch>
-        </p:blipFill>
-        <p:spPr bwMode="auto">
+        </p:nvSpPr>
+        <p:spPr>
           <a:xfrm>
-            <a:off x="7086601" y="4034444"/>
-            <a:ext cx="3593774" cy="2517040"/>
+            <a:off x="892986" y="6307235"/>
+            <a:ext cx="850297" cy="369332"/>
           </a:xfrm>
-          <a:prstGeom prst="roundRect">
-            <a:avLst>
-              <a:gd name="adj" fmla="val 4167"/>
-            </a:avLst>
+          <a:prstGeom prst="rect">
+            <a:avLst/>
           </a:prstGeom>
-          <a:solidFill>
-            <a:srgbClr val="FFFFFF"/>
-          </a:solidFill>
-          <a:ln w="76200" cap="sq">
-            <a:solidFill>
-              <a:srgbClr val="EAEAEA"/>
-            </a:solidFill>
-            <a:miter lim="800000"/>
-          </a:ln>
-          <a:effectLst>
-            <a:reflection blurRad="12700" stA="33000" endPos="28000" dist="5000" dir="5400000" sy="-100000" algn="bl" rotWithShape="0"/>
-          </a:effectLst>
-          <a:scene3d>
-            <a:camera prst="orthographicFront"/>
-            <a:lightRig rig="threePt" dir="t">
-              <a:rot lat="0" lon="0" rev="2700000"/>
-            </a:lightRig>
-          </a:scene3d>
-          <a:sp3d contourW="6350">
-            <a:bevelT h="38100"/>
-            <a:contourClr>
-              <a:srgbClr val="C0C0C0"/>
-            </a:contourClr>
-          </a:sp3d>
-          <a:extLst/>
+          <a:noFill/>
         </p:spPr>
-      </p:pic>
+        <p:txBody>
+          <a:bodyPr wrap="none" rtlCol="0">
+            <a:spAutoFit/>
+          </a:bodyPr>
+          <a:lstStyle/>
+          <a:p>
+            <a:r>
+              <a:rPr lang="en-US" dirty="0">
+                <a:solidFill>
+                  <a:schemeClr val="bg1"/>
+                </a:solidFill>
+                <a:hlinkClick r:id="rId4"/>
+              </a:rPr>
+              <a:t>Quizlet</a:t>
+            </a:r>
+            <a:endParaRPr lang="en-US" dirty="0">
+              <a:solidFill>
+                <a:schemeClr val="bg1"/>
+              </a:solidFill>
+            </a:endParaRPr>
+          </a:p>
+        </p:txBody>
+      </p:sp>
     </p:spTree>
     <p:extLst>
       <p:ext uri="{BB962C8B-B14F-4D97-AF65-F5344CB8AC3E}">
-        <p14:creationId xmlns:p14="http://schemas.microsoft.com/office/powerpoint/2010/main" val="208142798"/>
+        <p14:creationId xmlns:p14="http://schemas.microsoft.com/office/powerpoint/2010/main" val="1645955136"/>
       </p:ext>
     </p:extLst>
   </p:cSld>
   <p:clrMapOvr>
     <a:masterClrMapping/>
   </p:clrMapOvr>
-  <p:timing>
-    <p:tnLst>
-      <p:par>
-        <p:cTn id="1" dur="indefinite" restart="never" nodeType="tmRoot"/>
-      </p:par>
-    </p:tnLst>
-  </p:timing>
 </p:sld>
 </file>
 
@@ -6707,8 +6610,8 @@
         </p:nvSpPr>
         <p:spPr>
           <a:xfrm>
-            <a:off x="152400" y="1143476"/>
-            <a:ext cx="11811000" cy="615553"/>
+            <a:off x="-990600" y="1143476"/>
+            <a:ext cx="12417805" cy="615553"/>
           </a:xfrm>
           <a:prstGeom prst="rect">
             <a:avLst/>
@@ -6726,7 +6629,7 @@
               </a:lnSpc>
             </a:pPr>
             <a:r>
-              <a:rPr lang="en-US" spc="-5" dirty="0" smtClean="0">
+              <a:rPr lang="en-US" spc="-5" dirty="0">
                 <a:solidFill>
                   <a:srgbClr val="00B0F0"/>
                 </a:solidFill>
@@ -6734,12 +6637,8 @@
               <a:t>Tool</a:t>
             </a:r>
             <a:r>
-              <a:rPr lang="en-US" spc="-5" dirty="0" smtClean="0"/>
-              <a:t>: </a:t>
-            </a:r>
-            <a:r>
-              <a:rPr lang="en-US" spc="-5" dirty="0" smtClean="0"/>
-              <a:t>Font ligature</a:t>
+              <a:rPr lang="en-US" spc="-5" dirty="0"/>
+              <a:t>: Lint checker</a:t>
             </a:r>
             <a:endParaRPr spc="-5" dirty="0">
               <a:latin typeface="Century Gothic"/>
@@ -6757,7 +6656,7 @@
         <p:spPr>
           <a:xfrm>
             <a:off x="892986" y="2367695"/>
-            <a:ext cx="10534219" cy="2462213"/>
+            <a:ext cx="10156013" cy="3939540"/>
           </a:xfrm>
           <a:prstGeom prst="rect">
             <a:avLst/>
@@ -6769,10 +6668,12 @@
           </a:bodyPr>
           <a:lstStyle/>
           <a:p>
-            <a:pPr marL="12700">
+            <a:pPr marL="241300" indent="-228600">
               <a:lnSpc>
                 <a:spcPct val="100000"/>
               </a:lnSpc>
+              <a:buFont typeface="Arial"/>
+              <a:buChar char="•"/>
               <a:tabLst>
                 <a:tab pos="241300" algn="l"/>
               </a:tabLst>
@@ -6780,152 +6681,193 @@
             <a:r>
               <a:rPr lang="en-US" sz="3200" dirty="0">
                 <a:solidFill>
-                  <a:srgbClr val="FFFFFF"/>
+                  <a:srgbClr val="FFFF00"/>
                 </a:solidFill>
                 <a:latin typeface="Century Gothic"/>
                 <a:cs typeface="Century Gothic"/>
               </a:rPr>
-              <a:t>Programmers use a lot of symbols, often encoded with several characters. For the human brain, sequences like </a:t>
-            </a:r>
-            <a:r>
-              <a:rPr lang="en-US" sz="3200" dirty="0">
-                <a:solidFill>
-                  <a:srgbClr val="FFFF00"/>
-                </a:solidFill>
-                <a:latin typeface="Century Gothic"/>
-                <a:cs typeface="Century Gothic"/>
-              </a:rPr>
-              <a:t>-&gt;</a:t>
-            </a:r>
-            <a:r>
-              <a:rPr lang="en-US" sz="3200" dirty="0">
-                <a:solidFill>
-                  <a:srgbClr val="FFFFFF"/>
-                </a:solidFill>
-                <a:latin typeface="Century Gothic"/>
-                <a:cs typeface="Century Gothic"/>
-              </a:rPr>
-              <a:t>, </a:t>
-            </a:r>
-            <a:r>
-              <a:rPr lang="en-US" sz="3200" dirty="0" smtClean="0">
-                <a:solidFill>
-                  <a:srgbClr val="FFFF00"/>
-                </a:solidFill>
-                <a:latin typeface="Century Gothic"/>
-                <a:cs typeface="Century Gothic"/>
-              </a:rPr>
-              <a:t>=&gt;</a:t>
-            </a:r>
-            <a:r>
-              <a:rPr lang="en-US" sz="3200" dirty="0" smtClean="0">
-                <a:solidFill>
-                  <a:srgbClr val="FFFFFF"/>
-                </a:solidFill>
-                <a:latin typeface="Century Gothic"/>
-                <a:cs typeface="Century Gothic"/>
-              </a:rPr>
-              <a:t> or </a:t>
-            </a:r>
-            <a:r>
-              <a:rPr lang="en-US" sz="3200" dirty="0" smtClean="0">
-                <a:solidFill>
-                  <a:srgbClr val="FFFF00"/>
-                </a:solidFill>
-                <a:latin typeface="Century Gothic"/>
-                <a:cs typeface="Century Gothic"/>
-              </a:rPr>
-              <a:t>:=</a:t>
-            </a:r>
-            <a:r>
-              <a:rPr lang="en-US" sz="3200" dirty="0" smtClean="0">
-                <a:solidFill>
-                  <a:srgbClr val="FFFFFF"/>
-                </a:solidFill>
-                <a:latin typeface="Century Gothic"/>
-                <a:cs typeface="Century Gothic"/>
-              </a:rPr>
-              <a:t> </a:t>
-            </a:r>
-            <a:r>
-              <a:rPr lang="en-US" sz="3200" dirty="0">
-                <a:solidFill>
-                  <a:srgbClr val="FFFFFF"/>
-                </a:solidFill>
-                <a:latin typeface="Century Gothic"/>
-                <a:cs typeface="Century Gothic"/>
-              </a:rPr>
-              <a:t>are single logical tokens, even if they take two or three characters on the </a:t>
-            </a:r>
-            <a:r>
-              <a:rPr lang="en-US" sz="3200" dirty="0" smtClean="0">
-                <a:solidFill>
-                  <a:srgbClr val="FFFFFF"/>
-                </a:solidFill>
-                <a:latin typeface="Century Gothic"/>
-                <a:cs typeface="Century Gothic"/>
-              </a:rPr>
-              <a:t>screen.</a:t>
-            </a:r>
+              <a:t>Static code analysis tool</a:t>
+            </a:r>
+          </a:p>
+          <a:p>
+            <a:pPr marL="241300" indent="-228600">
+              <a:lnSpc>
+                <a:spcPct val="100000"/>
+              </a:lnSpc>
+              <a:buFont typeface="Arial"/>
+              <a:buChar char="•"/>
+              <a:tabLst>
+                <a:tab pos="241300" algn="l"/>
+              </a:tabLst>
+            </a:pPr>
             <a:endParaRPr lang="en-US" sz="3200" dirty="0">
               <a:solidFill>
-                <a:srgbClr val="FF0000"/>
+                <a:srgbClr val="FFFFFF"/>
               </a:solidFill>
               <a:latin typeface="Century Gothic"/>
               <a:cs typeface="Century Gothic"/>
             </a:endParaRPr>
           </a:p>
-        </p:txBody>
-      </p:sp>
-      <p:sp>
-        <p:nvSpPr>
-          <p:cNvPr id="6" name="TextBox 5"/>
-          <p:cNvSpPr txBox="1"/>
-          <p:nvPr/>
-        </p:nvSpPr>
-        <p:spPr>
-          <a:xfrm>
-            <a:off x="4331295" y="6183868"/>
-            <a:ext cx="3657600" cy="369332"/>
-          </a:xfrm>
-          <a:prstGeom prst="rect">
-            <a:avLst/>
-          </a:prstGeom>
-          <a:noFill/>
-        </p:spPr>
-        <p:txBody>
-          <a:bodyPr wrap="square" rtlCol="0">
-            <a:spAutoFit/>
-          </a:bodyPr>
-          <a:lstStyle/>
-          <a:p>
-            <a:r>
-              <a:rPr lang="en-US" dirty="0" smtClean="0">
-                <a:hlinkClick r:id="rId3"/>
+          <a:p>
+            <a:pPr marL="241300" indent="-228600">
+              <a:lnSpc>
+                <a:spcPct val="100000"/>
+              </a:lnSpc>
+              <a:buFont typeface="Arial"/>
+              <a:buChar char="•"/>
+              <a:tabLst>
+                <a:tab pos="241300" algn="l"/>
+              </a:tabLst>
+            </a:pPr>
+            <a:r>
+              <a:rPr lang="en-US" sz="3200" dirty="0">
+                <a:solidFill>
+                  <a:srgbClr val="FFFFFF"/>
+                </a:solidFill>
+                <a:latin typeface="Century Gothic"/>
+                <a:cs typeface="Century Gothic"/>
               </a:rPr>
-              <a:t>https://github.com/tonsky/FiraCode</a:t>
-            </a:r>
-            <a:endParaRPr lang="en-US" dirty="0"/>
+              <a:t>Perform quality check on your codebase</a:t>
+            </a:r>
+          </a:p>
+          <a:p>
+            <a:pPr marL="241300" indent="-228600">
+              <a:lnSpc>
+                <a:spcPct val="100000"/>
+              </a:lnSpc>
+              <a:buFont typeface="Arial"/>
+              <a:buChar char="•"/>
+              <a:tabLst>
+                <a:tab pos="241300" algn="l"/>
+              </a:tabLst>
+            </a:pPr>
+            <a:endParaRPr lang="en-US" sz="3200" dirty="0">
+              <a:solidFill>
+                <a:srgbClr val="FFFFFF"/>
+              </a:solidFill>
+              <a:latin typeface="Century Gothic"/>
+              <a:cs typeface="Century Gothic"/>
+            </a:endParaRPr>
+          </a:p>
+          <a:p>
+            <a:pPr marL="241300" indent="-228600">
+              <a:lnSpc>
+                <a:spcPct val="100000"/>
+              </a:lnSpc>
+              <a:buFont typeface="Arial"/>
+              <a:buChar char="•"/>
+              <a:tabLst>
+                <a:tab pos="241300" algn="l"/>
+              </a:tabLst>
+            </a:pPr>
+            <a:r>
+              <a:rPr lang="en-US" sz="3200" dirty="0">
+                <a:solidFill>
+                  <a:srgbClr val="FFFFFF"/>
+                </a:solidFill>
+                <a:latin typeface="Century Gothic"/>
+                <a:cs typeface="Century Gothic"/>
+              </a:rPr>
+              <a:t>Can be configured on your IDE</a:t>
+            </a:r>
+          </a:p>
+          <a:p>
+            <a:pPr marL="241300" indent="-228600">
+              <a:lnSpc>
+                <a:spcPct val="100000"/>
+              </a:lnSpc>
+              <a:buFont typeface="Arial"/>
+              <a:buChar char="•"/>
+              <a:tabLst>
+                <a:tab pos="241300" algn="l"/>
+              </a:tabLst>
+            </a:pPr>
+            <a:endParaRPr lang="en-US" sz="3200" dirty="0">
+              <a:solidFill>
+                <a:srgbClr val="FFFFFF"/>
+              </a:solidFill>
+              <a:latin typeface="Century Gothic"/>
+              <a:cs typeface="Century Gothic"/>
+            </a:endParaRPr>
+          </a:p>
+          <a:p>
+            <a:pPr marL="241300" indent="-228600">
+              <a:lnSpc>
+                <a:spcPct val="100000"/>
+              </a:lnSpc>
+              <a:buFont typeface="Arial"/>
+              <a:buChar char="•"/>
+              <a:tabLst>
+                <a:tab pos="241300" algn="l"/>
+              </a:tabLst>
+            </a:pPr>
+            <a:r>
+              <a:rPr lang="en-US" sz="3200" dirty="0">
+                <a:solidFill>
+                  <a:srgbClr val="FFFFFF"/>
+                </a:solidFill>
+                <a:latin typeface="Century Gothic"/>
+                <a:cs typeface="Century Gothic"/>
+              </a:rPr>
+              <a:t>Examples </a:t>
+            </a:r>
+            <a:r>
+              <a:rPr lang="en-US" sz="3200" dirty="0" err="1">
+                <a:solidFill>
+                  <a:srgbClr val="FFFFFF"/>
+                </a:solidFill>
+                <a:latin typeface="Century Gothic"/>
+                <a:cs typeface="Century Gothic"/>
+              </a:rPr>
+              <a:t>lints</a:t>
+            </a:r>
+            <a:r>
+              <a:rPr lang="en-US" sz="3200" dirty="0">
+                <a:solidFill>
+                  <a:srgbClr val="FFFFFF"/>
+                </a:solidFill>
+                <a:latin typeface="Century Gothic"/>
+                <a:cs typeface="Century Gothic"/>
+              </a:rPr>
+              <a:t>: deprecations, new </a:t>
+            </a:r>
+            <a:r>
+              <a:rPr lang="en-US" sz="3200" dirty="0" err="1">
+                <a:solidFill>
+                  <a:srgbClr val="FFFFFF"/>
+                </a:solidFill>
+                <a:latin typeface="Century Gothic"/>
+                <a:cs typeface="Century Gothic"/>
+              </a:rPr>
+              <a:t>apis</a:t>
+            </a:r>
+            <a:r>
+              <a:rPr lang="en-US" sz="3200" dirty="0">
+                <a:solidFill>
+                  <a:srgbClr val="FFFFFF"/>
+                </a:solidFill>
+                <a:latin typeface="Century Gothic"/>
+                <a:cs typeface="Century Gothic"/>
+              </a:rPr>
+              <a:t>, security, performance, …</a:t>
+            </a:r>
+            <a:endParaRPr sz="3200" dirty="0">
+              <a:latin typeface="Century Gothic"/>
+              <a:cs typeface="Century Gothic"/>
+            </a:endParaRPr>
           </a:p>
         </p:txBody>
       </p:sp>
     </p:spTree>
     <p:extLst>
       <p:ext uri="{BB962C8B-B14F-4D97-AF65-F5344CB8AC3E}">
-        <p14:creationId xmlns:p14="http://schemas.microsoft.com/office/powerpoint/2010/main" val="2124089348"/>
+        <p14:creationId xmlns:p14="http://schemas.microsoft.com/office/powerpoint/2010/main" val="2580361219"/>
       </p:ext>
     </p:extLst>
   </p:cSld>
   <p:clrMapOvr>
     <a:masterClrMapping/>
   </p:clrMapOvr>
-  <p:timing>
-    <p:tnLst>
-      <p:par>
-        <p:cTn id="1" dur="indefinite" restart="never" nodeType="tmRoot"/>
-      </p:par>
-    </p:tnLst>
-  </p:timing>
 </p:sld>
 </file>
 
@@ -6977,7 +6919,7 @@
               </a:lnSpc>
             </a:pPr>
             <a:r>
-              <a:rPr lang="en-US" spc="-5" dirty="0" smtClean="0">
+              <a:rPr lang="en-US" spc="-5" dirty="0">
                 <a:solidFill>
                   <a:srgbClr val="00B0F0"/>
                 </a:solidFill>
@@ -6985,14 +6927,119 @@
               <a:t>Tool</a:t>
             </a:r>
             <a:r>
-              <a:rPr lang="en-US" spc="-5" dirty="0" smtClean="0"/>
-              <a:t>: </a:t>
-            </a:r>
-            <a:r>
-              <a:rPr lang="en-US" spc="-5" dirty="0" smtClean="0"/>
-              <a:t>Font ligature</a:t>
+              <a:rPr lang="en-US" spc="-5" dirty="0"/>
+              <a:t>: Font ligature</a:t>
             </a:r>
             <a:endParaRPr spc="-5" dirty="0">
+              <a:latin typeface="Century Gothic"/>
+              <a:cs typeface="Century Gothic"/>
+            </a:endParaRPr>
+          </a:p>
+        </p:txBody>
+      </p:sp>
+      <p:sp>
+        <p:nvSpPr>
+          <p:cNvPr id="3" name="object 3"/>
+          <p:cNvSpPr txBox="1"/>
+          <p:nvPr/>
+        </p:nvSpPr>
+        <p:spPr>
+          <a:xfrm>
+            <a:off x="892986" y="2367695"/>
+            <a:ext cx="10534219" cy="2462213"/>
+          </a:xfrm>
+          <a:prstGeom prst="rect">
+            <a:avLst/>
+          </a:prstGeom>
+        </p:spPr>
+        <p:txBody>
+          <a:bodyPr vert="horz" wrap="square" lIns="0" tIns="0" rIns="0" bIns="0" rtlCol="0">
+            <a:spAutoFit/>
+          </a:bodyPr>
+          <a:lstStyle/>
+          <a:p>
+            <a:pPr marL="12700">
+              <a:lnSpc>
+                <a:spcPct val="100000"/>
+              </a:lnSpc>
+              <a:tabLst>
+                <a:tab pos="241300" algn="l"/>
+              </a:tabLst>
+            </a:pPr>
+            <a:r>
+              <a:rPr lang="en-US" sz="3200" dirty="0">
+                <a:solidFill>
+                  <a:srgbClr val="FFFFFF"/>
+                </a:solidFill>
+                <a:latin typeface="Century Gothic"/>
+                <a:cs typeface="Century Gothic"/>
+              </a:rPr>
+              <a:t>Programmers use a lot of symbols, often encoded with several characters. For the human brain, sequences like </a:t>
+            </a:r>
+            <a:r>
+              <a:rPr lang="en-US" sz="3200" dirty="0">
+                <a:solidFill>
+                  <a:srgbClr val="FFFF00"/>
+                </a:solidFill>
+                <a:latin typeface="Century Gothic"/>
+                <a:cs typeface="Century Gothic"/>
+              </a:rPr>
+              <a:t>-&gt;</a:t>
+            </a:r>
+            <a:r>
+              <a:rPr lang="en-US" sz="3200" dirty="0">
+                <a:solidFill>
+                  <a:srgbClr val="FFFFFF"/>
+                </a:solidFill>
+                <a:latin typeface="Century Gothic"/>
+                <a:cs typeface="Century Gothic"/>
+              </a:rPr>
+              <a:t>, </a:t>
+            </a:r>
+            <a:r>
+              <a:rPr lang="en-US" sz="3200" dirty="0">
+                <a:solidFill>
+                  <a:srgbClr val="FFFF00"/>
+                </a:solidFill>
+                <a:latin typeface="Century Gothic"/>
+                <a:cs typeface="Century Gothic"/>
+              </a:rPr>
+              <a:t>=&gt;</a:t>
+            </a:r>
+            <a:r>
+              <a:rPr lang="en-US" sz="3200" dirty="0">
+                <a:solidFill>
+                  <a:srgbClr val="FFFFFF"/>
+                </a:solidFill>
+                <a:latin typeface="Century Gothic"/>
+                <a:cs typeface="Century Gothic"/>
+              </a:rPr>
+              <a:t> or </a:t>
+            </a:r>
+            <a:r>
+              <a:rPr lang="en-US" sz="3200" dirty="0">
+                <a:solidFill>
+                  <a:srgbClr val="FFFF00"/>
+                </a:solidFill>
+                <a:latin typeface="Century Gothic"/>
+                <a:cs typeface="Century Gothic"/>
+              </a:rPr>
+              <a:t>:=</a:t>
+            </a:r>
+            <a:r>
+              <a:rPr lang="en-US" sz="3200" dirty="0">
+                <a:solidFill>
+                  <a:srgbClr val="FFFFFF"/>
+                </a:solidFill>
+                <a:latin typeface="Century Gothic"/>
+                <a:cs typeface="Century Gothic"/>
+              </a:rPr>
+              <a:t> are single logical tokens, even if they take two or three characters on the screen.</a:t>
+            </a:r>
+            <a:endParaRPr lang="en-US" sz="3200" dirty="0">
+              <a:solidFill>
+                <a:srgbClr val="FF0000"/>
+              </a:solidFill>
               <a:latin typeface="Century Gothic"/>
               <a:cs typeface="Century Gothic"/>
             </a:endParaRPr>
@@ -7022,7 +7069,118 @@
           <a:lstStyle/>
           <a:p>
             <a:r>
-              <a:rPr lang="en-US" dirty="0" smtClean="0">
+              <a:rPr lang="en-US" dirty="0">
+                <a:hlinkClick r:id="rId3"/>
+              </a:rPr>
+              <a:t>https://github.com/tonsky/FiraCode</a:t>
+            </a:r>
+            <a:endParaRPr lang="en-US" dirty="0"/>
+          </a:p>
+        </p:txBody>
+      </p:sp>
+    </p:spTree>
+    <p:extLst>
+      <p:ext uri="{BB962C8B-B14F-4D97-AF65-F5344CB8AC3E}">
+        <p14:creationId xmlns:p14="http://schemas.microsoft.com/office/powerpoint/2010/main" val="3577220604"/>
+      </p:ext>
+    </p:extLst>
+  </p:cSld>
+  <p:clrMapOvr>
+    <a:masterClrMapping/>
+  </p:clrMapOvr>
+</p:sld>
+</file>
+
+<file path=ppt/slides/slide24.xml><?xml version="1.0" encoding="utf-8"?>
+<p:sld xmlns:a="http://schemas.openxmlformats.org/drawingml/2006/main" xmlns:r="http://schemas.openxmlformats.org/officeDocument/2006/relationships" xmlns:p="http://schemas.openxmlformats.org/presentationml/2006/main">
+  <p:cSld>
+    <p:spTree>
+      <p:nvGrpSpPr>
+        <p:cNvPr id="1" name=""/>
+        <p:cNvGrpSpPr/>
+        <p:nvPr/>
+      </p:nvGrpSpPr>
+      <p:grpSpPr>
+        <a:xfrm>
+          <a:off x="0" y="0"/>
+          <a:ext cx="0" cy="0"/>
+          <a:chOff x="0" y="0"/>
+          <a:chExt cx="0" cy="0"/>
+        </a:xfrm>
+      </p:grpSpPr>
+      <p:sp>
+        <p:nvSpPr>
+          <p:cNvPr id="2" name="object 2"/>
+          <p:cNvSpPr txBox="1">
+            <a:spLocks noGrp="1"/>
+          </p:cNvSpPr>
+          <p:nvPr>
+            <p:ph type="title"/>
+          </p:nvPr>
+        </p:nvSpPr>
+        <p:spPr>
+          <a:xfrm>
+            <a:off x="152400" y="1143476"/>
+            <a:ext cx="11811000" cy="615553"/>
+          </a:xfrm>
+          <a:prstGeom prst="rect">
+            <a:avLst/>
+          </a:prstGeom>
+        </p:spPr>
+        <p:txBody>
+          <a:bodyPr vert="horz" wrap="square" lIns="0" tIns="0" rIns="0" bIns="0" rtlCol="0">
+            <a:spAutoFit/>
+          </a:bodyPr>
+          <a:lstStyle/>
+          <a:p>
+            <a:pPr marL="6086475">
+              <a:lnSpc>
+                <a:spcPct val="100000"/>
+              </a:lnSpc>
+            </a:pPr>
+            <a:r>
+              <a:rPr lang="en-US" spc="-5" dirty="0">
+                <a:solidFill>
+                  <a:srgbClr val="00B0F0"/>
+                </a:solidFill>
+              </a:rPr>
+              <a:t>Tool</a:t>
+            </a:r>
+            <a:r>
+              <a:rPr lang="en-US" spc="-5" dirty="0"/>
+              <a:t>: Font ligature</a:t>
+            </a:r>
+            <a:endParaRPr spc="-5" dirty="0">
+              <a:latin typeface="Century Gothic"/>
+              <a:cs typeface="Century Gothic"/>
+            </a:endParaRPr>
+          </a:p>
+        </p:txBody>
+      </p:sp>
+      <p:sp>
+        <p:nvSpPr>
+          <p:cNvPr id="6" name="TextBox 5"/>
+          <p:cNvSpPr txBox="1"/>
+          <p:nvPr/>
+        </p:nvSpPr>
+        <p:spPr>
+          <a:xfrm>
+            <a:off x="4331295" y="6183868"/>
+            <a:ext cx="3657600" cy="369332"/>
+          </a:xfrm>
+          <a:prstGeom prst="rect">
+            <a:avLst/>
+          </a:prstGeom>
+          <a:noFill/>
+        </p:spPr>
+        <p:txBody>
+          <a:bodyPr wrap="square" rtlCol="0">
+            <a:spAutoFit/>
+          </a:bodyPr>
+          <a:lstStyle/>
+          <a:p>
+            <a:r>
+              <a:rPr lang="en-US" dirty="0">
                 <a:hlinkClick r:id="rId3"/>
               </a:rPr>
               <a:t>https://github.com/tonsky/FiraCode</a:t>
@@ -7065,17 +7223,10 @@
   <p:clrMapOvr>
     <a:masterClrMapping/>
   </p:clrMapOvr>
-  <p:timing>
-    <p:tnLst>
-      <p:par>
-        <p:cTn id="1" dur="indefinite" restart="never" nodeType="tmRoot"/>
-      </p:par>
-    </p:tnLst>
-  </p:timing>
 </p:sld>
 </file>
 
-<file path=ppt/slides/slide24.xml><?xml version="1.0" encoding="utf-8"?>
+<file path=ppt/slides/slide25.xml><?xml version="1.0" encoding="utf-8"?>
 <p:sld xmlns:a="http://schemas.openxmlformats.org/drawingml/2006/main" xmlns:r="http://schemas.openxmlformats.org/officeDocument/2006/relationships" xmlns:p="http://schemas.openxmlformats.org/presentationml/2006/main">
   <p:cSld>
     <p:spTree>
@@ -7158,13 +7309,6 @@
   <p:clrMapOvr>
     <a:masterClrMapping/>
   </p:clrMapOvr>
-  <p:timing>
-    <p:tnLst>
-      <p:par>
-        <p:cTn id="1" dur="indefinite" restart="never" nodeType="tmRoot"/>
-      </p:par>
-    </p:tnLst>
-  </p:timing>
 </p:sld>
 </file>
 
@@ -7309,13 +7453,6 @@
   <p:clrMapOvr>
     <a:masterClrMapping/>
   </p:clrMapOvr>
-  <p:timing>
-    <p:tnLst>
-      <p:par>
-        <p:cTn id="1" dur="indefinite" restart="never" nodeType="tmRoot"/>
-      </p:par>
-    </p:tnLst>
-  </p:timing>
 </p:sld>
 </file>
 
@@ -7368,7 +7505,7 @@
               </a:tabLst>
             </a:pPr>
             <a:r>
-              <a:rPr lang="en-US" sz="3200" dirty="0" smtClean="0">
+              <a:rPr lang="en-US" sz="3200" dirty="0">
                 <a:solidFill>
                   <a:srgbClr val="FFFFFF"/>
                 </a:solidFill>
@@ -7409,7 +7546,7 @@
               </a:tabLst>
             </a:pPr>
             <a:r>
-              <a:rPr lang="en-US" sz="3200" dirty="0" smtClean="0">
+              <a:rPr lang="en-US" sz="3200" dirty="0">
                 <a:solidFill>
                   <a:srgbClr val="FFFFFF"/>
                 </a:solidFill>
@@ -7419,7 +7556,7 @@
               <a:t>At the top There are </a:t>
             </a:r>
             <a:r>
-              <a:rPr lang="en-US" sz="3200" dirty="0" smtClean="0">
+              <a:rPr lang="en-US" sz="3200" dirty="0">
                 <a:solidFill>
                   <a:srgbClr val="FFFF00"/>
                 </a:solidFill>
@@ -7460,7 +7597,7 @@
               </a:tabLst>
             </a:pPr>
             <a:r>
-              <a:rPr lang="en-US" sz="3200" dirty="0" smtClean="0">
+              <a:rPr lang="en-US" sz="3200" dirty="0">
                 <a:solidFill>
                   <a:srgbClr val="FFFFFF"/>
                 </a:solidFill>
@@ -7523,13 +7660,6 @@
   <p:clrMapOvr>
     <a:masterClrMapping/>
   </p:clrMapOvr>
-  <p:timing>
-    <p:tnLst>
-      <p:par>
-        <p:cTn id="1" dur="indefinite" restart="never" nodeType="tmRoot"/>
-      </p:par>
-    </p:tnLst>
-  </p:timing>
 </p:sld>
 </file>
 
@@ -7625,13 +7755,6 @@
   <p:clrMapOvr>
     <a:masterClrMapping/>
   </p:clrMapOvr>
-  <p:timing>
-    <p:tnLst>
-      <p:par>
-        <p:cTn id="1" dur="indefinite" restart="never" nodeType="tmRoot"/>
-      </p:par>
-    </p:tnLst>
-  </p:timing>
 </p:sld>
 </file>
 
@@ -7687,17 +7810,16 @@
           </a:lstStyle>
           <a:p>
             <a:r>
-              <a:rPr lang="en-US" dirty="0" smtClean="0"/>
+              <a:rPr lang="en-US" dirty="0"/>
               <a:t>Same code without</a:t>
             </a:r>
             <a:br>
-              <a:rPr lang="en-US" dirty="0" smtClean="0"/>
+              <a:rPr lang="en-US" dirty="0"/>
             </a:br>
             <a:r>
-              <a:rPr lang="en-US" dirty="0" smtClean="0"/>
+              <a:rPr lang="en-US" dirty="0"/>
               <a:t>vertical openness</a:t>
             </a:r>
-            <a:endParaRPr lang="en-US" dirty="0"/>
           </a:p>
         </p:txBody>
       </p:sp>
@@ -7735,13 +7857,6 @@
   <p:clrMapOvr>
     <a:masterClrMapping/>
   </p:clrMapOvr>
-  <p:timing>
-    <p:tnLst>
-      <p:par>
-        <p:cTn id="1" dur="indefinite" restart="never" nodeType="tmRoot"/>
-      </p:par>
-    </p:tnLst>
-  </p:timing>
 </p:sld>
 </file>
 
@@ -7797,10 +7912,9 @@
           </a:lstStyle>
           <a:p>
             <a:r>
-              <a:rPr lang="en-US" dirty="0" smtClean="0"/>
+              <a:rPr lang="en-US" dirty="0"/>
               <a:t>Vertical density</a:t>
             </a:r>
-            <a:endParaRPr lang="en-US" dirty="0"/>
           </a:p>
         </p:txBody>
       </p:sp>
@@ -7838,13 +7952,6 @@
   <p:clrMapOvr>
     <a:masterClrMapping/>
   </p:clrMapOvr>
-  <p:timing>
-    <p:tnLst>
-      <p:par>
-        <p:cTn id="1" dur="indefinite" restart="never" nodeType="tmRoot"/>
-      </p:par>
-    </p:tnLst>
-  </p:timing>
 </p:sld>
 </file>
 
@@ -7900,10 +8007,9 @@
           </a:lstStyle>
           <a:p>
             <a:r>
-              <a:rPr lang="en-US" dirty="0" smtClean="0"/>
+              <a:rPr lang="en-US" dirty="0"/>
               <a:t>Vertical density</a:t>
             </a:r>
-            <a:endParaRPr lang="en-US" dirty="0"/>
           </a:p>
         </p:txBody>
       </p:sp>
@@ -7941,13 +8047,6 @@
   <p:clrMapOvr>
     <a:masterClrMapping/>
   </p:clrMapOvr>
-  <p:timing>
-    <p:tnLst>
-      <p:par>
-        <p:cTn id="1" dur="indefinite" restart="never" nodeType="tmRoot"/>
-      </p:par>
-    </p:tnLst>
-  </p:timing>
 </p:sld>
 </file>
 
@@ -8003,25 +8102,20 @@
           </a:lstStyle>
           <a:p>
             <a:r>
-              <a:rPr lang="en-US" dirty="0" smtClean="0">
+              <a:rPr lang="en-US" dirty="0">
                 <a:solidFill>
                   <a:srgbClr val="00B0F0"/>
                 </a:solidFill>
               </a:rPr>
               <a:t>Vertical distance</a:t>
             </a:r>
-            <a:r>
-              <a:rPr lang="en-US" dirty="0" smtClean="0"/>
-              <a:t/>
-            </a:r>
             <a:br>
-              <a:rPr lang="en-US" dirty="0" smtClean="0"/>
+              <a:rPr lang="en-US" dirty="0"/>
             </a:br>
             <a:r>
-              <a:rPr lang="en-US" dirty="0" smtClean="0"/>
+              <a:rPr lang="en-US" dirty="0"/>
               <a:t>Variable Declarations</a:t>
             </a:r>
-            <a:endParaRPr lang="en-US" dirty="0"/>
           </a:p>
         </p:txBody>
       </p:sp>
@@ -8059,13 +8153,6 @@
   <p:clrMapOvr>
     <a:masterClrMapping/>
   </p:clrMapOvr>
-  <p:timing>
-    <p:tnLst>
-      <p:par>
-        <p:cTn id="1" dur="indefinite" restart="never" nodeType="tmRoot"/>
-      </p:par>
-    </p:tnLst>
-  </p:timing>
 </p:sld>
 </file>
 
